--- a/CIS 5560 Project Presentation.pptx
+++ b/CIS 5560 Project Presentation.pptx
@@ -13,16 +13,18 @@
     <p:sldId id="260" r:id="rId7"/>
     <p:sldId id="261" r:id="rId8"/>
     <p:sldId id="263" r:id="rId9"/>
-    <p:sldId id="264" r:id="rId10"/>
-    <p:sldId id="266" r:id="rId11"/>
-    <p:sldId id="267" r:id="rId12"/>
-    <p:sldId id="268" r:id="rId13"/>
-    <p:sldId id="269" r:id="rId14"/>
-    <p:sldId id="270" r:id="rId15"/>
-    <p:sldId id="271" r:id="rId16"/>
-    <p:sldId id="272" r:id="rId17"/>
-    <p:sldId id="274" r:id="rId18"/>
-    <p:sldId id="273" r:id="rId19"/>
+    <p:sldId id="275" r:id="rId10"/>
+    <p:sldId id="264" r:id="rId11"/>
+    <p:sldId id="266" r:id="rId12"/>
+    <p:sldId id="267" r:id="rId13"/>
+    <p:sldId id="268" r:id="rId14"/>
+    <p:sldId id="276" r:id="rId15"/>
+    <p:sldId id="269" r:id="rId16"/>
+    <p:sldId id="270" r:id="rId17"/>
+    <p:sldId id="271" r:id="rId18"/>
+    <p:sldId id="272" r:id="rId19"/>
+    <p:sldId id="274" r:id="rId20"/>
+    <p:sldId id="273" r:id="rId21"/>
   </p:sldIdLst>
   <p:sldSz cx="12192000" cy="6858000"/>
   <p:notesSz cx="6858000" cy="9144000"/>
@@ -179,7 +181,7 @@
           <a:noFill/>
           <a:extLst>
             <a:ext uri="{909E8E84-426E-40dd-AFC4-6F175D3DCCD1}">
-              <a14:hiddenFill xmlns="" xmlns:a14="http://schemas.microsoft.com/office/drawing/2010/main">
+              <a14:hiddenFill xmlns:a14="http://schemas.microsoft.com/office/drawing/2010/main" xmlns="">
                 <a:solidFill>
                   <a:srgbClr val="FFFFFF"/>
                 </a:solidFill>
@@ -239,7 +241,7 @@
             </a:ln>
             <a:extLst>
               <a:ext uri="{91240B29-F687-4f45-9708-019B960494DF}">
-                <a14:hiddenLine xmlns="" xmlns:a14="http://schemas.microsoft.com/office/drawing/2010/main" w="9525">
+                <a14:hiddenLine xmlns:a14="http://schemas.microsoft.com/office/drawing/2010/main" xmlns="" w="9525">
                   <a:solidFill>
                     <a:srgbClr val="000000"/>
                   </a:solidFill>
@@ -329,7 +331,7 @@
             </a:ln>
             <a:extLst>
               <a:ext uri="{91240B29-F687-4f45-9708-019B960494DF}">
-                <a14:hiddenLine xmlns="" xmlns:a14="http://schemas.microsoft.com/office/drawing/2010/main" w="9525">
+                <a14:hiddenLine xmlns:a14="http://schemas.microsoft.com/office/drawing/2010/main" xmlns="" w="9525">
                   <a:solidFill>
                     <a:srgbClr val="000000"/>
                   </a:solidFill>
@@ -419,7 +421,7 @@
             </a:ln>
             <a:extLst>
               <a:ext uri="{91240B29-F687-4f45-9708-019B960494DF}">
-                <a14:hiddenLine xmlns="" xmlns:a14="http://schemas.microsoft.com/office/drawing/2010/main" w="9525">
+                <a14:hiddenLine xmlns:a14="http://schemas.microsoft.com/office/drawing/2010/main" xmlns="" w="9525">
                   <a:solidFill>
                     <a:srgbClr val="000000"/>
                   </a:solidFill>
@@ -453,7 +455,7 @@
             </a:ln>
             <a:extLst>
               <a:ext uri="{91240B29-F687-4f45-9708-019B960494DF}">
-                <a14:hiddenLine xmlns="" xmlns:a14="http://schemas.microsoft.com/office/drawing/2010/main" w="9525">
+                <a14:hiddenLine xmlns:a14="http://schemas.microsoft.com/office/drawing/2010/main" xmlns="" w="9525">
                   <a:solidFill>
                     <a:srgbClr val="000000"/>
                   </a:solidFill>
@@ -543,7 +545,7 @@
             </a:ln>
             <a:extLst>
               <a:ext uri="{91240B29-F687-4f45-9708-019B960494DF}">
-                <a14:hiddenLine xmlns="" xmlns:a14="http://schemas.microsoft.com/office/drawing/2010/main" w="9525">
+                <a14:hiddenLine xmlns:a14="http://schemas.microsoft.com/office/drawing/2010/main" xmlns="" w="9525">
                   <a:solidFill>
                     <a:srgbClr val="000000"/>
                   </a:solidFill>
@@ -605,7 +607,7 @@
             </a:ln>
             <a:extLst>
               <a:ext uri="{91240B29-F687-4f45-9708-019B960494DF}">
-                <a14:hiddenLine xmlns="" xmlns:a14="http://schemas.microsoft.com/office/drawing/2010/main" w="9525">
+                <a14:hiddenLine xmlns:a14="http://schemas.microsoft.com/office/drawing/2010/main" xmlns="" w="9525">
                   <a:solidFill>
                     <a:srgbClr val="000000"/>
                   </a:solidFill>
@@ -667,7 +669,7 @@
             </a:ln>
             <a:extLst>
               <a:ext uri="{91240B29-F687-4f45-9708-019B960494DF}">
-                <a14:hiddenLine xmlns="" xmlns:a14="http://schemas.microsoft.com/office/drawing/2010/main" w="9525">
+                <a14:hiddenLine xmlns:a14="http://schemas.microsoft.com/office/drawing/2010/main" xmlns="" w="9525">
                   <a:solidFill>
                     <a:srgbClr val="000000"/>
                   </a:solidFill>
@@ -757,7 +759,7 @@
             </a:ln>
             <a:extLst>
               <a:ext uri="{91240B29-F687-4f45-9708-019B960494DF}">
-                <a14:hiddenLine xmlns="" xmlns:a14="http://schemas.microsoft.com/office/drawing/2010/main" w="9525">
+                <a14:hiddenLine xmlns:a14="http://schemas.microsoft.com/office/drawing/2010/main" xmlns="" w="9525">
                   <a:solidFill>
                     <a:srgbClr val="000000"/>
                   </a:solidFill>
@@ -819,7 +821,7 @@
             </a:ln>
             <a:extLst>
               <a:ext uri="{91240B29-F687-4f45-9708-019B960494DF}">
-                <a14:hiddenLine xmlns="" xmlns:a14="http://schemas.microsoft.com/office/drawing/2010/main" w="9525">
+                <a14:hiddenLine xmlns:a14="http://schemas.microsoft.com/office/drawing/2010/main" xmlns="" w="9525">
                   <a:solidFill>
                     <a:srgbClr val="000000"/>
                   </a:solidFill>
@@ -881,7 +883,7 @@
             </a:ln>
             <a:extLst>
               <a:ext uri="{91240B29-F687-4f45-9708-019B960494DF}">
-                <a14:hiddenLine xmlns="" xmlns:a14="http://schemas.microsoft.com/office/drawing/2010/main" w="9525">
+                <a14:hiddenLine xmlns:a14="http://schemas.microsoft.com/office/drawing/2010/main" xmlns="" w="9525">
                   <a:solidFill>
                     <a:srgbClr val="000000"/>
                   </a:solidFill>
@@ -971,7 +973,7 @@
             </a:ln>
             <a:extLst>
               <a:ext uri="{91240B29-F687-4f45-9708-019B960494DF}">
-                <a14:hiddenLine xmlns="" xmlns:a14="http://schemas.microsoft.com/office/drawing/2010/main" w="9525">
+                <a14:hiddenLine xmlns:a14="http://schemas.microsoft.com/office/drawing/2010/main" xmlns="" w="9525">
                   <a:solidFill>
                     <a:srgbClr val="000000"/>
                   </a:solidFill>
@@ -1061,7 +1063,7 @@
             </a:ln>
             <a:extLst>
               <a:ext uri="{91240B29-F687-4f45-9708-019B960494DF}">
-                <a14:hiddenLine xmlns="" xmlns:a14="http://schemas.microsoft.com/office/drawing/2010/main" w="9525">
+                <a14:hiddenLine xmlns:a14="http://schemas.microsoft.com/office/drawing/2010/main" xmlns="" w="9525">
                   <a:solidFill>
                     <a:srgbClr val="000000"/>
                   </a:solidFill>
@@ -1123,7 +1125,7 @@
             </a:ln>
             <a:extLst>
               <a:ext uri="{91240B29-F687-4f45-9708-019B960494DF}">
-                <a14:hiddenLine xmlns="" xmlns:a14="http://schemas.microsoft.com/office/drawing/2010/main" w="9525">
+                <a14:hiddenLine xmlns:a14="http://schemas.microsoft.com/office/drawing/2010/main" xmlns="" w="9525">
                   <a:solidFill>
                     <a:srgbClr val="000000"/>
                   </a:solidFill>
@@ -1233,7 +1235,7 @@
             </a:ln>
             <a:extLst>
               <a:ext uri="{91240B29-F687-4f45-9708-019B960494DF}">
-                <a14:hiddenLine xmlns="" xmlns:a14="http://schemas.microsoft.com/office/drawing/2010/main" w="9525">
+                <a14:hiddenLine xmlns:a14="http://schemas.microsoft.com/office/drawing/2010/main" xmlns="" w="9525">
                   <a:solidFill>
                     <a:srgbClr val="000000"/>
                   </a:solidFill>
@@ -1295,7 +1297,7 @@
             </a:ln>
             <a:extLst>
               <a:ext uri="{91240B29-F687-4f45-9708-019B960494DF}">
-                <a14:hiddenLine xmlns="" xmlns:a14="http://schemas.microsoft.com/office/drawing/2010/main" w="9525">
+                <a14:hiddenLine xmlns:a14="http://schemas.microsoft.com/office/drawing/2010/main" xmlns="" w="9525">
                   <a:solidFill>
                     <a:srgbClr val="000000"/>
                   </a:solidFill>
@@ -1385,7 +1387,7 @@
             </a:ln>
             <a:extLst>
               <a:ext uri="{91240B29-F687-4f45-9708-019B960494DF}">
-                <a14:hiddenLine xmlns="" xmlns:a14="http://schemas.microsoft.com/office/drawing/2010/main" w="9525">
+                <a14:hiddenLine xmlns:a14="http://schemas.microsoft.com/office/drawing/2010/main" xmlns="" w="9525">
                   <a:solidFill>
                     <a:srgbClr val="000000"/>
                   </a:solidFill>
@@ -1475,7 +1477,7 @@
             </a:ln>
             <a:extLst>
               <a:ext uri="{91240B29-F687-4f45-9708-019B960494DF}">
-                <a14:hiddenLine xmlns="" xmlns:a14="http://schemas.microsoft.com/office/drawing/2010/main" w="9525">
+                <a14:hiddenLine xmlns:a14="http://schemas.microsoft.com/office/drawing/2010/main" xmlns="" w="9525">
                   <a:solidFill>
                     <a:srgbClr val="000000"/>
                   </a:solidFill>
@@ -1537,7 +1539,7 @@
             </a:ln>
             <a:extLst>
               <a:ext uri="{91240B29-F687-4f45-9708-019B960494DF}">
-                <a14:hiddenLine xmlns="" xmlns:a14="http://schemas.microsoft.com/office/drawing/2010/main" w="9525">
+                <a14:hiddenLine xmlns:a14="http://schemas.microsoft.com/office/drawing/2010/main" xmlns="" w="9525">
                   <a:solidFill>
                     <a:srgbClr val="000000"/>
                   </a:solidFill>
@@ -1627,7 +1629,7 @@
             </a:ln>
             <a:extLst>
               <a:ext uri="{91240B29-F687-4f45-9708-019B960494DF}">
-                <a14:hiddenLine xmlns="" xmlns:a14="http://schemas.microsoft.com/office/drawing/2010/main" w="9525">
+                <a14:hiddenLine xmlns:a14="http://schemas.microsoft.com/office/drawing/2010/main" xmlns="" w="9525">
                   <a:solidFill>
                     <a:srgbClr val="000000"/>
                   </a:solidFill>
@@ -1717,7 +1719,7 @@
             </a:ln>
             <a:extLst>
               <a:ext uri="{91240B29-F687-4f45-9708-019B960494DF}">
-                <a14:hiddenLine xmlns="" xmlns:a14="http://schemas.microsoft.com/office/drawing/2010/main" w="9525">
+                <a14:hiddenLine xmlns:a14="http://schemas.microsoft.com/office/drawing/2010/main" xmlns="" w="9525">
                   <a:solidFill>
                     <a:srgbClr val="000000"/>
                   </a:solidFill>
@@ -1773,7 +1775,7 @@
             </a:ln>
             <a:extLst>
               <a:ext uri="{91240B29-F687-4f45-9708-019B960494DF}">
-                <a14:hiddenLine xmlns="" xmlns:a14="http://schemas.microsoft.com/office/drawing/2010/main" w="9525">
+                <a14:hiddenLine xmlns:a14="http://schemas.microsoft.com/office/drawing/2010/main" xmlns="" w="9525">
                   <a:solidFill>
                     <a:srgbClr val="000000"/>
                   </a:solidFill>
@@ -1863,7 +1865,7 @@
             </a:ln>
             <a:extLst>
               <a:ext uri="{91240B29-F687-4f45-9708-019B960494DF}">
-                <a14:hiddenLine xmlns="" xmlns:a14="http://schemas.microsoft.com/office/drawing/2010/main" w="9525">
+                <a14:hiddenLine xmlns:a14="http://schemas.microsoft.com/office/drawing/2010/main" xmlns="" w="9525">
                   <a:solidFill>
                     <a:srgbClr val="000000"/>
                   </a:solidFill>
@@ -1919,7 +1921,7 @@
             </a:ln>
             <a:extLst>
               <a:ext uri="{91240B29-F687-4f45-9708-019B960494DF}">
-                <a14:hiddenLine xmlns="" xmlns:a14="http://schemas.microsoft.com/office/drawing/2010/main" w="9525">
+                <a14:hiddenLine xmlns:a14="http://schemas.microsoft.com/office/drawing/2010/main" xmlns="" w="9525">
                   <a:solidFill>
                     <a:srgbClr val="000000"/>
                   </a:solidFill>
@@ -2009,7 +2011,7 @@
             </a:ln>
             <a:extLst>
               <a:ext uri="{91240B29-F687-4f45-9708-019B960494DF}">
-                <a14:hiddenLine xmlns="" xmlns:a14="http://schemas.microsoft.com/office/drawing/2010/main" w="9525">
+                <a14:hiddenLine xmlns:a14="http://schemas.microsoft.com/office/drawing/2010/main" xmlns="" w="9525">
                   <a:solidFill>
                     <a:srgbClr val="000000"/>
                   </a:solidFill>
@@ -2077,7 +2079,7 @@
             </a:ln>
             <a:extLst>
               <a:ext uri="{91240B29-F687-4f45-9708-019B960494DF}">
-                <a14:hiddenLine xmlns="" xmlns:a14="http://schemas.microsoft.com/office/drawing/2010/main" w="9525">
+                <a14:hiddenLine xmlns:a14="http://schemas.microsoft.com/office/drawing/2010/main" xmlns="" w="9525">
                   <a:solidFill>
                     <a:srgbClr val="000000"/>
                   </a:solidFill>
@@ -2167,7 +2169,7 @@
             </a:ln>
             <a:extLst>
               <a:ext uri="{91240B29-F687-4f45-9708-019B960494DF}">
-                <a14:hiddenLine xmlns="" xmlns:a14="http://schemas.microsoft.com/office/drawing/2010/main" w="9525">
+                <a14:hiddenLine xmlns:a14="http://schemas.microsoft.com/office/drawing/2010/main" xmlns="" w="9525">
                   <a:solidFill>
                     <a:srgbClr val="000000"/>
                   </a:solidFill>
@@ -2235,7 +2237,7 @@
             </a:ln>
             <a:extLst>
               <a:ext uri="{91240B29-F687-4f45-9708-019B960494DF}">
-                <a14:hiddenLine xmlns="" xmlns:a14="http://schemas.microsoft.com/office/drawing/2010/main" w="9525">
+                <a14:hiddenLine xmlns:a14="http://schemas.microsoft.com/office/drawing/2010/main" xmlns="" w="9525">
                   <a:solidFill>
                     <a:srgbClr val="000000"/>
                   </a:solidFill>
@@ -2325,7 +2327,7 @@
             </a:ln>
             <a:extLst>
               <a:ext uri="{91240B29-F687-4f45-9708-019B960494DF}">
-                <a14:hiddenLine xmlns="" xmlns:a14="http://schemas.microsoft.com/office/drawing/2010/main" w="9525">
+                <a14:hiddenLine xmlns:a14="http://schemas.microsoft.com/office/drawing/2010/main" xmlns="" w="9525">
                   <a:solidFill>
                     <a:srgbClr val="000000"/>
                   </a:solidFill>
@@ -2359,7 +2361,7 @@
             </a:ln>
             <a:extLst>
               <a:ext uri="{91240B29-F687-4f45-9708-019B960494DF}">
-                <a14:hiddenLine xmlns="" xmlns:a14="http://schemas.microsoft.com/office/drawing/2010/main" w="9525">
+                <a14:hiddenLine xmlns:a14="http://schemas.microsoft.com/office/drawing/2010/main" xmlns="" w="9525">
                   <a:solidFill>
                     <a:srgbClr val="000000"/>
                   </a:solidFill>
@@ -2449,7 +2451,7 @@
             </a:ln>
             <a:extLst>
               <a:ext uri="{91240B29-F687-4f45-9708-019B960494DF}">
-                <a14:hiddenLine xmlns="" xmlns:a14="http://schemas.microsoft.com/office/drawing/2010/main" w="9525">
+                <a14:hiddenLine xmlns:a14="http://schemas.microsoft.com/office/drawing/2010/main" xmlns="" w="9525">
                   <a:solidFill>
                     <a:srgbClr val="000000"/>
                   </a:solidFill>
@@ -2511,7 +2513,7 @@
             </a:ln>
             <a:extLst>
               <a:ext uri="{91240B29-F687-4f45-9708-019B960494DF}">
-                <a14:hiddenLine xmlns="" xmlns:a14="http://schemas.microsoft.com/office/drawing/2010/main" w="9525">
+                <a14:hiddenLine xmlns:a14="http://schemas.microsoft.com/office/drawing/2010/main" xmlns="" w="9525">
                   <a:solidFill>
                     <a:srgbClr val="000000"/>
                   </a:solidFill>
@@ -2573,7 +2575,7 @@
             </a:ln>
             <a:extLst>
               <a:ext uri="{91240B29-F687-4f45-9708-019B960494DF}">
-                <a14:hiddenLine xmlns="" xmlns:a14="http://schemas.microsoft.com/office/drawing/2010/main" w="9525">
+                <a14:hiddenLine xmlns:a14="http://schemas.microsoft.com/office/drawing/2010/main" xmlns="" w="9525">
                   <a:solidFill>
                     <a:srgbClr val="000000"/>
                   </a:solidFill>
@@ -2663,7 +2665,7 @@
             </a:ln>
             <a:extLst>
               <a:ext uri="{91240B29-F687-4f45-9708-019B960494DF}">
-                <a14:hiddenLine xmlns="" xmlns:a14="http://schemas.microsoft.com/office/drawing/2010/main" w="9525">
+                <a14:hiddenLine xmlns:a14="http://schemas.microsoft.com/office/drawing/2010/main" xmlns="" w="9525">
                   <a:solidFill>
                     <a:srgbClr val="000000"/>
                   </a:solidFill>
@@ -2731,7 +2733,7 @@
             </a:ln>
             <a:extLst>
               <a:ext uri="{91240B29-F687-4f45-9708-019B960494DF}">
-                <a14:hiddenLine xmlns="" xmlns:a14="http://schemas.microsoft.com/office/drawing/2010/main" w="9525">
+                <a14:hiddenLine xmlns:a14="http://schemas.microsoft.com/office/drawing/2010/main" xmlns="" w="9525">
                   <a:solidFill>
                     <a:srgbClr val="000000"/>
                   </a:solidFill>
@@ -2793,7 +2795,7 @@
             </a:ln>
             <a:extLst>
               <a:ext uri="{91240B29-F687-4f45-9708-019B960494DF}">
-                <a14:hiddenLine xmlns="" xmlns:a14="http://schemas.microsoft.com/office/drawing/2010/main" w="9525">
+                <a14:hiddenLine xmlns:a14="http://schemas.microsoft.com/office/drawing/2010/main" xmlns="" w="9525">
                   <a:solidFill>
                     <a:srgbClr val="000000"/>
                   </a:solidFill>
@@ -2883,7 +2885,7 @@
             </a:ln>
             <a:extLst>
               <a:ext uri="{91240B29-F687-4f45-9708-019B960494DF}">
-                <a14:hiddenLine xmlns="" xmlns:a14="http://schemas.microsoft.com/office/drawing/2010/main" w="9525">
+                <a14:hiddenLine xmlns:a14="http://schemas.microsoft.com/office/drawing/2010/main" xmlns="" w="9525">
                   <a:solidFill>
                     <a:srgbClr val="000000"/>
                   </a:solidFill>
@@ -2945,7 +2947,7 @@
             </a:ln>
             <a:extLst>
               <a:ext uri="{91240B29-F687-4f45-9708-019B960494DF}">
-                <a14:hiddenLine xmlns="" xmlns:a14="http://schemas.microsoft.com/office/drawing/2010/main" w="9525">
+                <a14:hiddenLine xmlns:a14="http://schemas.microsoft.com/office/drawing/2010/main" xmlns="" w="9525">
                   <a:solidFill>
                     <a:srgbClr val="000000"/>
                   </a:solidFill>
@@ -3035,7 +3037,7 @@
             </a:ln>
             <a:extLst>
               <a:ext uri="{91240B29-F687-4f45-9708-019B960494DF}">
-                <a14:hiddenLine xmlns="" xmlns:a14="http://schemas.microsoft.com/office/drawing/2010/main" w="9525">
+                <a14:hiddenLine xmlns:a14="http://schemas.microsoft.com/office/drawing/2010/main" xmlns="" w="9525">
                   <a:solidFill>
                     <a:srgbClr val="000000"/>
                   </a:solidFill>
@@ -3097,7 +3099,7 @@
             </a:ln>
             <a:extLst>
               <a:ext uri="{91240B29-F687-4f45-9708-019B960494DF}">
-                <a14:hiddenLine xmlns="" xmlns:a14="http://schemas.microsoft.com/office/drawing/2010/main" w="9525">
+                <a14:hiddenLine xmlns:a14="http://schemas.microsoft.com/office/drawing/2010/main" xmlns="" w="9525">
                   <a:solidFill>
                     <a:srgbClr val="000000"/>
                   </a:solidFill>
@@ -3187,7 +3189,7 @@
             </a:ln>
             <a:extLst>
               <a:ext uri="{91240B29-F687-4f45-9708-019B960494DF}">
-                <a14:hiddenLine xmlns="" xmlns:a14="http://schemas.microsoft.com/office/drawing/2010/main" w="9525">
+                <a14:hiddenLine xmlns:a14="http://schemas.microsoft.com/office/drawing/2010/main" xmlns="" w="9525">
                   <a:solidFill>
                     <a:srgbClr val="000000"/>
                   </a:solidFill>
@@ -3221,7 +3223,7 @@
             </a:ln>
             <a:extLst>
               <a:ext uri="{91240B29-F687-4f45-9708-019B960494DF}">
-                <a14:hiddenLine xmlns="" xmlns:a14="http://schemas.microsoft.com/office/drawing/2010/main" w="9525">
+                <a14:hiddenLine xmlns:a14="http://schemas.microsoft.com/office/drawing/2010/main" xmlns="" w="9525">
                   <a:solidFill>
                     <a:srgbClr val="000000"/>
                   </a:solidFill>
@@ -3286,7 +3288,7 @@
             </a:ln>
             <a:extLst>
               <a:ext uri="{91240B29-F687-4f45-9708-019B960494DF}">
-                <a14:hiddenLine xmlns="" xmlns:a14="http://schemas.microsoft.com/office/drawing/2010/main" w="9525">
+                <a14:hiddenLine xmlns:a14="http://schemas.microsoft.com/office/drawing/2010/main" xmlns="" w="9525">
                   <a:solidFill>
                     <a:srgbClr val="000000"/>
                   </a:solidFill>
@@ -3376,7 +3378,7 @@
             </a:ln>
             <a:extLst>
               <a:ext uri="{91240B29-F687-4f45-9708-019B960494DF}">
-                <a14:hiddenLine xmlns="" xmlns:a14="http://schemas.microsoft.com/office/drawing/2010/main" w="9525">
+                <a14:hiddenLine xmlns:a14="http://schemas.microsoft.com/office/drawing/2010/main" xmlns="" w="9525">
                   <a:solidFill>
                     <a:srgbClr val="000000"/>
                   </a:solidFill>
@@ -3438,7 +3440,7 @@
             </a:ln>
             <a:extLst>
               <a:ext uri="{91240B29-F687-4f45-9708-019B960494DF}">
-                <a14:hiddenLine xmlns="" xmlns:a14="http://schemas.microsoft.com/office/drawing/2010/main" w="9525">
+                <a14:hiddenLine xmlns:a14="http://schemas.microsoft.com/office/drawing/2010/main" xmlns="" w="9525">
                   <a:solidFill>
                     <a:srgbClr val="000000"/>
                   </a:solidFill>
@@ -3528,7 +3530,7 @@
             </a:ln>
             <a:extLst>
               <a:ext uri="{91240B29-F687-4f45-9708-019B960494DF}">
-                <a14:hiddenLine xmlns="" xmlns:a14="http://schemas.microsoft.com/office/drawing/2010/main" w="9525">
+                <a14:hiddenLine xmlns:a14="http://schemas.microsoft.com/office/drawing/2010/main" xmlns="" w="9525">
                   <a:solidFill>
                     <a:srgbClr val="000000"/>
                   </a:solidFill>
@@ -3618,7 +3620,7 @@
             </a:ln>
             <a:extLst>
               <a:ext uri="{91240B29-F687-4f45-9708-019B960494DF}">
-                <a14:hiddenLine xmlns="" xmlns:a14="http://schemas.microsoft.com/office/drawing/2010/main" w="9525">
+                <a14:hiddenLine xmlns:a14="http://schemas.microsoft.com/office/drawing/2010/main" xmlns="" w="9525">
                   <a:solidFill>
                     <a:srgbClr val="000000"/>
                   </a:solidFill>
@@ -3683,7 +3685,7 @@
             </a:ln>
             <a:extLst>
               <a:ext uri="{91240B29-F687-4f45-9708-019B960494DF}">
-                <a14:hiddenLine xmlns="" xmlns:a14="http://schemas.microsoft.com/office/drawing/2010/main" w="9525">
+                <a14:hiddenLine xmlns:a14="http://schemas.microsoft.com/office/drawing/2010/main" xmlns="" w="9525">
                   <a:solidFill>
                     <a:srgbClr val="000000"/>
                   </a:solidFill>
@@ -3745,7 +3747,7 @@
             </a:ln>
             <a:extLst>
               <a:ext uri="{91240B29-F687-4f45-9708-019B960494DF}">
-                <a14:hiddenLine xmlns="" xmlns:a14="http://schemas.microsoft.com/office/drawing/2010/main" w="9525">
+                <a14:hiddenLine xmlns:a14="http://schemas.microsoft.com/office/drawing/2010/main" xmlns="" w="9525">
                   <a:solidFill>
                     <a:srgbClr val="000000"/>
                   </a:solidFill>
@@ -3835,7 +3837,7 @@
             </a:ln>
             <a:extLst>
               <a:ext uri="{91240B29-F687-4f45-9708-019B960494DF}">
-                <a14:hiddenLine xmlns="" xmlns:a14="http://schemas.microsoft.com/office/drawing/2010/main" w="9525">
+                <a14:hiddenLine xmlns:a14="http://schemas.microsoft.com/office/drawing/2010/main" xmlns="" w="9525">
                   <a:solidFill>
                     <a:srgbClr val="000000"/>
                   </a:solidFill>
@@ -3925,7 +3927,7 @@
             </a:ln>
             <a:extLst>
               <a:ext uri="{91240B29-F687-4f45-9708-019B960494DF}">
-                <a14:hiddenLine xmlns="" xmlns:a14="http://schemas.microsoft.com/office/drawing/2010/main" w="9525">
+                <a14:hiddenLine xmlns:a14="http://schemas.microsoft.com/office/drawing/2010/main" xmlns="" w="9525">
                   <a:solidFill>
                     <a:srgbClr val="000000"/>
                   </a:solidFill>
@@ -3987,7 +3989,7 @@
             </a:ln>
             <a:extLst>
               <a:ext uri="{91240B29-F687-4f45-9708-019B960494DF}">
-                <a14:hiddenLine xmlns="" xmlns:a14="http://schemas.microsoft.com/office/drawing/2010/main" w="9525">
+                <a14:hiddenLine xmlns:a14="http://schemas.microsoft.com/office/drawing/2010/main" xmlns="" w="9525">
                   <a:solidFill>
                     <a:srgbClr val="000000"/>
                   </a:solidFill>
@@ -4107,7 +4109,7 @@
             </a:ln>
             <a:extLst>
               <a:ext uri="{91240B29-F687-4f45-9708-019B960494DF}">
-                <a14:hiddenLine xmlns="" xmlns:a14="http://schemas.microsoft.com/office/drawing/2010/main" w="9525">
+                <a14:hiddenLine xmlns:a14="http://schemas.microsoft.com/office/drawing/2010/main" xmlns="" w="9525">
                   <a:solidFill>
                     <a:srgbClr val="000000"/>
                   </a:solidFill>
@@ -4175,7 +4177,7 @@
             </a:ln>
             <a:extLst>
               <a:ext uri="{91240B29-F687-4f45-9708-019B960494DF}">
-                <a14:hiddenLine xmlns="" xmlns:a14="http://schemas.microsoft.com/office/drawing/2010/main" w="9525">
+                <a14:hiddenLine xmlns:a14="http://schemas.microsoft.com/office/drawing/2010/main" xmlns="" w="9525">
                   <a:solidFill>
                     <a:srgbClr val="000000"/>
                   </a:solidFill>
@@ -4265,7 +4267,7 @@
             </a:ln>
             <a:extLst>
               <a:ext uri="{91240B29-F687-4f45-9708-019B960494DF}">
-                <a14:hiddenLine xmlns="" xmlns:a14="http://schemas.microsoft.com/office/drawing/2010/main" w="9525">
+                <a14:hiddenLine xmlns:a14="http://schemas.microsoft.com/office/drawing/2010/main" xmlns="" w="9525">
                   <a:solidFill>
                     <a:srgbClr val="000000"/>
                   </a:solidFill>
@@ -4405,7 +4407,7 @@
           <a:p>
             <a:fld id="{48A87A34-81AB-432B-8DAE-1953F412C126}" type="datetimeFigureOut">
               <a:rPr lang="en-US" dirty="0"/>
-              <a:t>5/8/18</a:t>
+              <a:t>5/12/18</a:t>
             </a:fld>
             <a:endParaRPr lang="en-US" dirty="0"/>
           </a:p>
@@ -4667,7 +4669,7 @@
           <a:p>
             <a:fld id="{48A87A34-81AB-432B-8DAE-1953F412C126}" type="datetimeFigureOut">
               <a:rPr lang="en-US" dirty="0"/>
-              <a:t>5/8/18</a:t>
+              <a:t>5/12/18</a:t>
             </a:fld>
             <a:endParaRPr lang="en-US" dirty="0"/>
           </a:p>
@@ -4858,7 +4860,7 @@
           <a:p>
             <a:fld id="{48A87A34-81AB-432B-8DAE-1953F412C126}" type="datetimeFigureOut">
               <a:rPr lang="en-US" dirty="0"/>
-              <a:t>5/8/18</a:t>
+              <a:t>5/12/18</a:t>
             </a:fld>
             <a:endParaRPr lang="en-US" dirty="0"/>
           </a:p>
@@ -5116,7 +5118,7 @@
           <a:p>
             <a:fld id="{48A87A34-81AB-432B-8DAE-1953F412C126}" type="datetimeFigureOut">
               <a:rPr lang="en-US" dirty="0"/>
-              <a:t>5/8/18</a:t>
+              <a:t>5/12/18</a:t>
             </a:fld>
             <a:endParaRPr lang="en-US" dirty="0"/>
           </a:p>
@@ -5545,7 +5547,7 @@
           <a:p>
             <a:fld id="{48A87A34-81AB-432B-8DAE-1953F412C126}" type="datetimeFigureOut">
               <a:rPr lang="en-US" dirty="0"/>
-              <a:t>5/8/18</a:t>
+              <a:t>5/12/18</a:t>
             </a:fld>
             <a:endParaRPr lang="en-US" dirty="0"/>
           </a:p>
@@ -6086,7 +6088,7 @@
           <a:p>
             <a:fld id="{48A87A34-81AB-432B-8DAE-1953F412C126}" type="datetimeFigureOut">
               <a:rPr lang="en-US" dirty="0"/>
-              <a:t>5/8/18</a:t>
+              <a:t>5/12/18</a:t>
             </a:fld>
             <a:endParaRPr lang="en-US" dirty="0"/>
           </a:p>
@@ -6801,7 +6803,7 @@
           <a:p>
             <a:fld id="{48A87A34-81AB-432B-8DAE-1953F412C126}" type="datetimeFigureOut">
               <a:rPr lang="en-US" dirty="0"/>
-              <a:t>5/8/18</a:t>
+              <a:t>5/12/18</a:t>
             </a:fld>
             <a:endParaRPr lang="en-US" dirty="0"/>
           </a:p>
@@ -6966,7 +6968,7 @@
           <a:p>
             <a:fld id="{48A87A34-81AB-432B-8DAE-1953F412C126}" type="datetimeFigureOut">
               <a:rPr lang="en-US" dirty="0"/>
-              <a:t>5/8/18</a:t>
+              <a:t>5/12/18</a:t>
             </a:fld>
             <a:endParaRPr lang="en-US" dirty="0"/>
           </a:p>
@@ -7141,7 +7143,7 @@
           <a:p>
             <a:fld id="{48A87A34-81AB-432B-8DAE-1953F412C126}" type="datetimeFigureOut">
               <a:rPr lang="en-US" dirty="0"/>
-              <a:t>5/8/18</a:t>
+              <a:t>5/12/18</a:t>
             </a:fld>
             <a:endParaRPr lang="en-US" dirty="0"/>
           </a:p>
@@ -7306,7 +7308,7 @@
           <a:p>
             <a:fld id="{48A87A34-81AB-432B-8DAE-1953F412C126}" type="datetimeFigureOut">
               <a:rPr lang="en-US" dirty="0"/>
-              <a:t>5/8/18</a:t>
+              <a:t>5/12/18</a:t>
             </a:fld>
             <a:endParaRPr lang="en-US" dirty="0"/>
           </a:p>
@@ -7551,7 +7553,7 @@
           <a:p>
             <a:fld id="{48A87A34-81AB-432B-8DAE-1953F412C126}" type="datetimeFigureOut">
               <a:rPr lang="en-US" dirty="0"/>
-              <a:t>5/8/18</a:t>
+              <a:t>5/12/18</a:t>
             </a:fld>
             <a:endParaRPr lang="en-US" dirty="0"/>
           </a:p>
@@ -7778,7 +7780,7 @@
           <a:p>
             <a:fld id="{48A87A34-81AB-432B-8DAE-1953F412C126}" type="datetimeFigureOut">
               <a:rPr lang="en-US" dirty="0"/>
-              <a:t>5/8/18</a:t>
+              <a:t>5/12/18</a:t>
             </a:fld>
             <a:endParaRPr lang="en-US" dirty="0"/>
           </a:p>
@@ -8154,7 +8156,7 @@
           <a:p>
             <a:fld id="{48A87A34-81AB-432B-8DAE-1953F412C126}" type="datetimeFigureOut">
               <a:rPr lang="en-US" dirty="0"/>
-              <a:t>5/8/18</a:t>
+              <a:t>5/12/18</a:t>
             </a:fld>
             <a:endParaRPr lang="en-US" dirty="0"/>
           </a:p>
@@ -8267,7 +8269,7 @@
           <a:p>
             <a:fld id="{48A87A34-81AB-432B-8DAE-1953F412C126}" type="datetimeFigureOut">
               <a:rPr lang="en-US" dirty="0"/>
-              <a:t>5/8/18</a:t>
+              <a:t>5/12/18</a:t>
             </a:fld>
             <a:endParaRPr lang="en-US" dirty="0"/>
           </a:p>
@@ -8357,7 +8359,7 @@
           <a:p>
             <a:fld id="{48A87A34-81AB-432B-8DAE-1953F412C126}" type="datetimeFigureOut">
               <a:rPr lang="en-US" dirty="0"/>
-              <a:t>5/8/18</a:t>
+              <a:t>5/12/18</a:t>
             </a:fld>
             <a:endParaRPr lang="en-US" dirty="0"/>
           </a:p>
@@ -8601,7 +8603,7 @@
           <a:p>
             <a:fld id="{48A87A34-81AB-432B-8DAE-1953F412C126}" type="datetimeFigureOut">
               <a:rPr lang="en-US" dirty="0"/>
-              <a:t>5/8/18</a:t>
+              <a:t>5/12/18</a:t>
             </a:fld>
             <a:endParaRPr lang="en-US" dirty="0"/>
           </a:p>
@@ -8876,7 +8878,7 @@
           <a:p>
             <a:fld id="{48A87A34-81AB-432B-8DAE-1953F412C126}" type="datetimeFigureOut">
               <a:rPr lang="en-US" dirty="0"/>
-              <a:t>5/8/18</a:t>
+              <a:t>5/12/18</a:t>
             </a:fld>
             <a:endParaRPr lang="en-US" dirty="0"/>
           </a:p>
@@ -8987,7 +8989,7 @@
           <a:noFill/>
           <a:extLst>
             <a:ext uri="{909E8E84-426E-40dd-AFC4-6F175D3DCCD1}">
-              <a14:hiddenFill xmlns="" xmlns:a14="http://schemas.microsoft.com/office/drawing/2010/main">
+              <a14:hiddenFill xmlns:a14="http://schemas.microsoft.com/office/drawing/2010/main" xmlns="">
                 <a:solidFill>
                   <a:srgbClr val="FFFFFF"/>
                 </a:solidFill>
@@ -9061,7 +9063,7 @@
               </a:ln>
               <a:extLst>
                 <a:ext uri="{91240B29-F687-4f45-9708-019B960494DF}">
-                  <a14:hiddenLine xmlns="" xmlns:a14="http://schemas.microsoft.com/office/drawing/2010/main" w="9525">
+                  <a14:hiddenLine xmlns:a14="http://schemas.microsoft.com/office/drawing/2010/main" xmlns="" w="9525">
                     <a:solidFill>
                       <a:srgbClr val="000000"/>
                     </a:solidFill>
@@ -9151,7 +9153,7 @@
               </a:ln>
               <a:extLst>
                 <a:ext uri="{91240B29-F687-4f45-9708-019B960494DF}">
-                  <a14:hiddenLine xmlns="" xmlns:a14="http://schemas.microsoft.com/office/drawing/2010/main" w="9525">
+                  <a14:hiddenLine xmlns:a14="http://schemas.microsoft.com/office/drawing/2010/main" xmlns="" w="9525">
                     <a:solidFill>
                       <a:srgbClr val="000000"/>
                     </a:solidFill>
@@ -9241,7 +9243,7 @@
               </a:ln>
               <a:extLst>
                 <a:ext uri="{91240B29-F687-4f45-9708-019B960494DF}">
-                  <a14:hiddenLine xmlns="" xmlns:a14="http://schemas.microsoft.com/office/drawing/2010/main" w="9525">
+                  <a14:hiddenLine xmlns:a14="http://schemas.microsoft.com/office/drawing/2010/main" xmlns="" w="9525">
                     <a:solidFill>
                       <a:srgbClr val="000000"/>
                     </a:solidFill>
@@ -9303,7 +9305,7 @@
               </a:ln>
               <a:extLst>
                 <a:ext uri="{91240B29-F687-4f45-9708-019B960494DF}">
-                  <a14:hiddenLine xmlns="" xmlns:a14="http://schemas.microsoft.com/office/drawing/2010/main" w="9525">
+                  <a14:hiddenLine xmlns:a14="http://schemas.microsoft.com/office/drawing/2010/main" xmlns="" w="9525">
                     <a:solidFill>
                       <a:srgbClr val="000000"/>
                     </a:solidFill>
@@ -9393,7 +9395,7 @@
               </a:ln>
               <a:extLst>
                 <a:ext uri="{91240B29-F687-4f45-9708-019B960494DF}">
-                  <a14:hiddenLine xmlns="" xmlns:a14="http://schemas.microsoft.com/office/drawing/2010/main" w="9525">
+                  <a14:hiddenLine xmlns:a14="http://schemas.microsoft.com/office/drawing/2010/main" xmlns="" w="9525">
                     <a:solidFill>
                       <a:srgbClr val="000000"/>
                     </a:solidFill>
@@ -9455,7 +9457,7 @@
               </a:ln>
               <a:extLst>
                 <a:ext uri="{91240B29-F687-4f45-9708-019B960494DF}">
-                  <a14:hiddenLine xmlns="" xmlns:a14="http://schemas.microsoft.com/office/drawing/2010/main" w="9525">
+                  <a14:hiddenLine xmlns:a14="http://schemas.microsoft.com/office/drawing/2010/main" xmlns="" w="9525">
                     <a:solidFill>
                       <a:srgbClr val="000000"/>
                     </a:solidFill>
@@ -9517,7 +9519,7 @@
               </a:ln>
               <a:extLst>
                 <a:ext uri="{91240B29-F687-4f45-9708-019B960494DF}">
-                  <a14:hiddenLine xmlns="" xmlns:a14="http://schemas.microsoft.com/office/drawing/2010/main" w="9525">
+                  <a14:hiddenLine xmlns:a14="http://schemas.microsoft.com/office/drawing/2010/main" xmlns="" w="9525">
                     <a:solidFill>
                       <a:srgbClr val="000000"/>
                     </a:solidFill>
@@ -9607,7 +9609,7 @@
               </a:ln>
               <a:extLst>
                 <a:ext uri="{91240B29-F687-4f45-9708-019B960494DF}">
-                  <a14:hiddenLine xmlns="" xmlns:a14="http://schemas.microsoft.com/office/drawing/2010/main" w="9525">
+                  <a14:hiddenLine xmlns:a14="http://schemas.microsoft.com/office/drawing/2010/main" xmlns="" w="9525">
                     <a:solidFill>
                       <a:srgbClr val="000000"/>
                     </a:solidFill>
@@ -9697,7 +9699,7 @@
               </a:ln>
               <a:extLst>
                 <a:ext uri="{91240B29-F687-4f45-9708-019B960494DF}">
-                  <a14:hiddenLine xmlns="" xmlns:a14="http://schemas.microsoft.com/office/drawing/2010/main" w="9525">
+                  <a14:hiddenLine xmlns:a14="http://schemas.microsoft.com/office/drawing/2010/main" xmlns="" w="9525">
                     <a:solidFill>
                       <a:srgbClr val="000000"/>
                     </a:solidFill>
@@ -9759,7 +9761,7 @@
               </a:ln>
               <a:extLst>
                 <a:ext uri="{91240B29-F687-4f45-9708-019B960494DF}">
-                  <a14:hiddenLine xmlns="" xmlns:a14="http://schemas.microsoft.com/office/drawing/2010/main" w="9525">
+                  <a14:hiddenLine xmlns:a14="http://schemas.microsoft.com/office/drawing/2010/main" xmlns="" w="9525">
                     <a:solidFill>
                       <a:srgbClr val="000000"/>
                     </a:solidFill>
@@ -9869,7 +9871,7 @@
               </a:ln>
               <a:extLst>
                 <a:ext uri="{91240B29-F687-4f45-9708-019B960494DF}">
-                  <a14:hiddenLine xmlns="" xmlns:a14="http://schemas.microsoft.com/office/drawing/2010/main" w="9525">
+                  <a14:hiddenLine xmlns:a14="http://schemas.microsoft.com/office/drawing/2010/main" xmlns="" w="9525">
                     <a:solidFill>
                       <a:srgbClr val="000000"/>
                     </a:solidFill>
@@ -9953,7 +9955,7 @@
               </a:ln>
               <a:extLst>
                 <a:ext uri="{91240B29-F687-4f45-9708-019B960494DF}">
-                  <a14:hiddenLine xmlns="" xmlns:a14="http://schemas.microsoft.com/office/drawing/2010/main" w="9525">
+                  <a14:hiddenLine xmlns:a14="http://schemas.microsoft.com/office/drawing/2010/main" xmlns="" w="9525">
                     <a:solidFill>
                       <a:srgbClr val="000000"/>
                     </a:solidFill>
@@ -10015,7 +10017,7 @@
               </a:ln>
               <a:extLst>
                 <a:ext uri="{91240B29-F687-4f45-9708-019B960494DF}">
-                  <a14:hiddenLine xmlns="" xmlns:a14="http://schemas.microsoft.com/office/drawing/2010/main" w="9525">
+                  <a14:hiddenLine xmlns:a14="http://schemas.microsoft.com/office/drawing/2010/main" xmlns="" w="9525">
                     <a:solidFill>
                       <a:srgbClr val="000000"/>
                     </a:solidFill>
@@ -10077,7 +10079,7 @@
               </a:ln>
               <a:extLst>
                 <a:ext uri="{91240B29-F687-4f45-9708-019B960494DF}">
-                  <a14:hiddenLine xmlns="" xmlns:a14="http://schemas.microsoft.com/office/drawing/2010/main" w="9525">
+                  <a14:hiddenLine xmlns:a14="http://schemas.microsoft.com/office/drawing/2010/main" xmlns="" w="9525">
                     <a:solidFill>
                       <a:srgbClr val="000000"/>
                     </a:solidFill>
@@ -10167,7 +10169,7 @@
               </a:ln>
               <a:extLst>
                 <a:ext uri="{91240B29-F687-4f45-9708-019B960494DF}">
-                  <a14:hiddenLine xmlns="" xmlns:a14="http://schemas.microsoft.com/office/drawing/2010/main" w="9525">
+                  <a14:hiddenLine xmlns:a14="http://schemas.microsoft.com/office/drawing/2010/main" xmlns="" w="9525">
                     <a:solidFill>
                       <a:srgbClr val="000000"/>
                     </a:solidFill>
@@ -10201,7 +10203,7 @@
               </a:ln>
               <a:extLst>
                 <a:ext uri="{91240B29-F687-4f45-9708-019B960494DF}">
-                  <a14:hiddenLine xmlns="" xmlns:a14="http://schemas.microsoft.com/office/drawing/2010/main" w="9525">
+                  <a14:hiddenLine xmlns:a14="http://schemas.microsoft.com/office/drawing/2010/main" xmlns="" w="9525">
                     <a:solidFill>
                       <a:srgbClr val="000000"/>
                     </a:solidFill>
@@ -10266,7 +10268,7 @@
               </a:ln>
               <a:extLst>
                 <a:ext uri="{91240B29-F687-4f45-9708-019B960494DF}">
-                  <a14:hiddenLine xmlns="" xmlns:a14="http://schemas.microsoft.com/office/drawing/2010/main" w="9525">
+                  <a14:hiddenLine xmlns:a14="http://schemas.microsoft.com/office/drawing/2010/main" xmlns="" w="9525">
                     <a:solidFill>
                       <a:srgbClr val="000000"/>
                     </a:solidFill>
@@ -10356,7 +10358,7 @@
               </a:ln>
               <a:extLst>
                 <a:ext uri="{91240B29-F687-4f45-9708-019B960494DF}">
-                  <a14:hiddenLine xmlns="" xmlns:a14="http://schemas.microsoft.com/office/drawing/2010/main" w="9525">
+                  <a14:hiddenLine xmlns:a14="http://schemas.microsoft.com/office/drawing/2010/main" xmlns="" w="9525">
                     <a:solidFill>
                       <a:srgbClr val="000000"/>
                     </a:solidFill>
@@ -10418,7 +10420,7 @@
               </a:ln>
               <a:extLst>
                 <a:ext uri="{91240B29-F687-4f45-9708-019B960494DF}">
-                  <a14:hiddenLine xmlns="" xmlns:a14="http://schemas.microsoft.com/office/drawing/2010/main" w="9525">
+                  <a14:hiddenLine xmlns:a14="http://schemas.microsoft.com/office/drawing/2010/main" xmlns="" w="9525">
                     <a:solidFill>
                       <a:srgbClr val="000000"/>
                     </a:solidFill>
@@ -10508,7 +10510,7 @@
               </a:ln>
               <a:extLst>
                 <a:ext uri="{91240B29-F687-4f45-9708-019B960494DF}">
-                  <a14:hiddenLine xmlns="" xmlns:a14="http://schemas.microsoft.com/office/drawing/2010/main" w="9525">
+                  <a14:hiddenLine xmlns:a14="http://schemas.microsoft.com/office/drawing/2010/main" xmlns="" w="9525">
                     <a:solidFill>
                       <a:srgbClr val="000000"/>
                     </a:solidFill>
@@ -10573,7 +10575,7 @@
               </a:ln>
               <a:extLst>
                 <a:ext uri="{91240B29-F687-4f45-9708-019B960494DF}">
-                  <a14:hiddenLine xmlns="" xmlns:a14="http://schemas.microsoft.com/office/drawing/2010/main" w="9525">
+                  <a14:hiddenLine xmlns:a14="http://schemas.microsoft.com/office/drawing/2010/main" xmlns="" w="9525">
                     <a:solidFill>
                       <a:srgbClr val="000000"/>
                     </a:solidFill>
@@ -10635,7 +10637,7 @@
               </a:ln>
               <a:extLst>
                 <a:ext uri="{91240B29-F687-4f45-9708-019B960494DF}">
-                  <a14:hiddenLine xmlns="" xmlns:a14="http://schemas.microsoft.com/office/drawing/2010/main" w="9525">
+                  <a14:hiddenLine xmlns:a14="http://schemas.microsoft.com/office/drawing/2010/main" xmlns="" w="9525">
                     <a:solidFill>
                       <a:srgbClr val="000000"/>
                     </a:solidFill>
@@ -10725,7 +10727,7 @@
               </a:ln>
               <a:extLst>
                 <a:ext uri="{91240B29-F687-4f45-9708-019B960494DF}">
-                  <a14:hiddenLine xmlns="" xmlns:a14="http://schemas.microsoft.com/office/drawing/2010/main" w="9525">
+                  <a14:hiddenLine xmlns:a14="http://schemas.microsoft.com/office/drawing/2010/main" xmlns="" w="9525">
                     <a:solidFill>
                       <a:srgbClr val="000000"/>
                     </a:solidFill>
@@ -10815,7 +10817,7 @@
               </a:ln>
               <a:extLst>
                 <a:ext uri="{91240B29-F687-4f45-9708-019B960494DF}">
-                  <a14:hiddenLine xmlns="" xmlns:a14="http://schemas.microsoft.com/office/drawing/2010/main" w="9525">
+                  <a14:hiddenLine xmlns:a14="http://schemas.microsoft.com/office/drawing/2010/main" xmlns="" w="9525">
                     <a:solidFill>
                       <a:srgbClr val="000000"/>
                     </a:solidFill>
@@ -10880,7 +10882,7 @@
               </a:ln>
               <a:extLst>
                 <a:ext uri="{91240B29-F687-4f45-9708-019B960494DF}">
-                  <a14:hiddenLine xmlns="" xmlns:a14="http://schemas.microsoft.com/office/drawing/2010/main" w="9525">
+                  <a14:hiddenLine xmlns:a14="http://schemas.microsoft.com/office/drawing/2010/main" xmlns="" w="9525">
                     <a:solidFill>
                       <a:srgbClr val="000000"/>
                     </a:solidFill>
@@ -11000,7 +11002,7 @@
               </a:ln>
               <a:extLst>
                 <a:ext uri="{91240B29-F687-4f45-9708-019B960494DF}">
-                  <a14:hiddenLine xmlns="" xmlns:a14="http://schemas.microsoft.com/office/drawing/2010/main" w="9525">
+                  <a14:hiddenLine xmlns:a14="http://schemas.microsoft.com/office/drawing/2010/main" xmlns="" w="9525">
                     <a:solidFill>
                       <a:srgbClr val="000000"/>
                     </a:solidFill>
@@ -11098,7 +11100,7 @@
               </a:ln>
               <a:extLst>
                 <a:ext uri="{91240B29-F687-4f45-9708-019B960494DF}">
-                  <a14:hiddenLine xmlns="" xmlns:a14="http://schemas.microsoft.com/office/drawing/2010/main" w="9525">
+                  <a14:hiddenLine xmlns:a14="http://schemas.microsoft.com/office/drawing/2010/main" xmlns="" w="9525">
                     <a:solidFill>
                       <a:srgbClr val="000000"/>
                     </a:solidFill>
@@ -11213,7 +11215,7 @@
               </a:ln>
               <a:extLst>
                 <a:ext uri="{91240B29-F687-4f45-9708-019B960494DF}">
-                  <a14:hiddenLine xmlns="" xmlns:a14="http://schemas.microsoft.com/office/drawing/2010/main" w="9525">
+                  <a14:hiddenLine xmlns:a14="http://schemas.microsoft.com/office/drawing/2010/main" xmlns="" w="9525">
                     <a:solidFill>
                       <a:srgbClr val="000000"/>
                     </a:solidFill>
@@ -11303,7 +11305,7 @@
               </a:ln>
               <a:extLst>
                 <a:ext uri="{91240B29-F687-4f45-9708-019B960494DF}">
-                  <a14:hiddenLine xmlns="" xmlns:a14="http://schemas.microsoft.com/office/drawing/2010/main" w="9525">
+                  <a14:hiddenLine xmlns:a14="http://schemas.microsoft.com/office/drawing/2010/main" xmlns="" w="9525">
                     <a:solidFill>
                       <a:srgbClr val="000000"/>
                     </a:solidFill>
@@ -11368,7 +11370,7 @@
               </a:ln>
               <a:extLst>
                 <a:ext uri="{91240B29-F687-4f45-9708-019B960494DF}">
-                  <a14:hiddenLine xmlns="" xmlns:a14="http://schemas.microsoft.com/office/drawing/2010/main" w="9525">
+                  <a14:hiddenLine xmlns:a14="http://schemas.microsoft.com/office/drawing/2010/main" xmlns="" w="9525">
                     <a:solidFill>
                       <a:srgbClr val="000000"/>
                     </a:solidFill>
@@ -11458,7 +11460,7 @@
               </a:ln>
               <a:extLst>
                 <a:ext uri="{91240B29-F687-4f45-9708-019B960494DF}">
-                  <a14:hiddenLine xmlns="" xmlns:a14="http://schemas.microsoft.com/office/drawing/2010/main" w="9525">
+                  <a14:hiddenLine xmlns:a14="http://schemas.microsoft.com/office/drawing/2010/main" xmlns="" w="9525">
                     <a:solidFill>
                       <a:srgbClr val="000000"/>
                     </a:solidFill>
@@ -11526,7 +11528,7 @@
               </a:ln>
               <a:extLst>
                 <a:ext uri="{91240B29-F687-4f45-9708-019B960494DF}">
-                  <a14:hiddenLine xmlns="" xmlns:a14="http://schemas.microsoft.com/office/drawing/2010/main" w="9525">
+                  <a14:hiddenLine xmlns:a14="http://schemas.microsoft.com/office/drawing/2010/main" xmlns="" w="9525">
                     <a:solidFill>
                       <a:srgbClr val="000000"/>
                     </a:solidFill>
@@ -11616,7 +11618,7 @@
               </a:ln>
               <a:extLst>
                 <a:ext uri="{91240B29-F687-4f45-9708-019B960494DF}">
-                  <a14:hiddenLine xmlns="" xmlns:a14="http://schemas.microsoft.com/office/drawing/2010/main" w="9525">
+                  <a14:hiddenLine xmlns:a14="http://schemas.microsoft.com/office/drawing/2010/main" xmlns="" w="9525">
                     <a:solidFill>
                       <a:srgbClr val="000000"/>
                     </a:solidFill>
@@ -11684,7 +11686,7 @@
               </a:ln>
               <a:extLst>
                 <a:ext uri="{91240B29-F687-4f45-9708-019B960494DF}">
-                  <a14:hiddenLine xmlns="" xmlns:a14="http://schemas.microsoft.com/office/drawing/2010/main" w="9525">
+                  <a14:hiddenLine xmlns:a14="http://schemas.microsoft.com/office/drawing/2010/main" xmlns="" w="9525">
                     <a:solidFill>
                       <a:srgbClr val="000000"/>
                     </a:solidFill>
@@ -11774,7 +11776,7 @@
               </a:ln>
               <a:extLst>
                 <a:ext uri="{91240B29-F687-4f45-9708-019B960494DF}">
-                  <a14:hiddenLine xmlns="" xmlns:a14="http://schemas.microsoft.com/office/drawing/2010/main" w="9525">
+                  <a14:hiddenLine xmlns:a14="http://schemas.microsoft.com/office/drawing/2010/main" xmlns="" w="9525">
                     <a:solidFill>
                       <a:srgbClr val="000000"/>
                     </a:solidFill>
@@ -11808,7 +11810,7 @@
               </a:ln>
               <a:extLst>
                 <a:ext uri="{91240B29-F687-4f45-9708-019B960494DF}">
-                  <a14:hiddenLine xmlns="" xmlns:a14="http://schemas.microsoft.com/office/drawing/2010/main" w="9525">
+                  <a14:hiddenLine xmlns:a14="http://schemas.microsoft.com/office/drawing/2010/main" xmlns="" w="9525">
                     <a:solidFill>
                       <a:srgbClr val="000000"/>
                     </a:solidFill>
@@ -11949,7 +11951,7 @@
             <a:fld id="{48A87A34-81AB-432B-8DAE-1953F412C126}" type="datetimeFigureOut">
               <a:rPr lang="en-US" dirty="0"/>
               <a:pPr/>
-              <a:t>5/8/18</a:t>
+              <a:t>5/12/18</a:t>
             </a:fld>
             <a:endParaRPr lang="en-US" dirty="0"/>
           </a:p>
@@ -12524,6 +12526,106 @@
       </p:grpSpPr>
       <p:sp>
         <p:nvSpPr>
+          <p:cNvPr id="2" name="Title 1">
+            <a:extLst>
+              <a:ext uri="{FF2B5EF4-FFF2-40B4-BE49-F238E27FC236}">
+                <a16:creationId xmlns:a16="http://schemas.microsoft.com/office/drawing/2014/main" id="{14C12CAC-D079-184B-8736-5AA7EDCDFEFF}"/>
+              </a:ext>
+            </a:extLst>
+          </p:cNvPr>
+          <p:cNvSpPr>
+            <a:spLocks noGrp="1"/>
+          </p:cNvSpPr>
+          <p:nvPr>
+            <p:ph type="title"/>
+          </p:nvPr>
+        </p:nvSpPr>
+        <p:spPr>
+          <a:xfrm>
+            <a:off x="998483" y="6254"/>
+            <a:ext cx="9905998" cy="1478570"/>
+          </a:xfrm>
+        </p:spPr>
+        <p:txBody>
+          <a:bodyPr>
+            <a:normAutofit/>
+          </a:bodyPr>
+          <a:lstStyle/>
+          <a:p>
+            <a:r>
+              <a:rPr lang="en-US" sz="2400" b="1" dirty="0">
+                <a:solidFill>
+                  <a:schemeClr val="bg1"/>
+                </a:solidFill>
+                <a:latin typeface="Times New Roman" panose="02020603050405020304" pitchFamily="18" charset="0"/>
+                <a:cs typeface="Times New Roman" panose="02020603050405020304" pitchFamily="18" charset="0"/>
+              </a:rPr>
+              <a:t>Graph: Random forest regression graph</a:t>
+            </a:r>
+          </a:p>
+        </p:txBody>
+      </p:sp>
+      <p:pic>
+        <p:nvPicPr>
+          <p:cNvPr id="5" name="Content Placeholder 4">
+            <a:extLst>
+              <a:ext uri="{FF2B5EF4-FFF2-40B4-BE49-F238E27FC236}">
+                <a16:creationId xmlns:a16="http://schemas.microsoft.com/office/drawing/2014/main" id="{14CB9675-0EA0-134E-BC66-C1C01497444B}"/>
+              </a:ext>
+            </a:extLst>
+          </p:cNvPr>
+          <p:cNvPicPr>
+            <a:picLocks noGrp="1" noChangeAspect="1"/>
+          </p:cNvPicPr>
+          <p:nvPr>
+            <p:ph idx="1"/>
+          </p:nvPr>
+        </p:nvPicPr>
+        <p:blipFill>
+          <a:blip r:embed="rId2"/>
+          <a:stretch>
+            <a:fillRect/>
+          </a:stretch>
+        </p:blipFill>
+        <p:spPr>
+          <a:xfrm>
+            <a:off x="1250730" y="1095120"/>
+            <a:ext cx="10121461" cy="5036010"/>
+          </a:xfrm>
+        </p:spPr>
+      </p:pic>
+    </p:spTree>
+    <p:extLst>
+      <p:ext uri="{BB962C8B-B14F-4D97-AF65-F5344CB8AC3E}">
+        <p14:creationId xmlns:p14="http://schemas.microsoft.com/office/powerpoint/2010/main" val="3815196411"/>
+      </p:ext>
+    </p:extLst>
+  </p:cSld>
+  <p:clrMapOvr>
+    <a:masterClrMapping/>
+  </p:clrMapOvr>
+</p:sld>
+</file>
+
+<file path=ppt/slides/slide11.xml><?xml version="1.0" encoding="utf-8"?>
+<p:sld xmlns:a="http://schemas.openxmlformats.org/drawingml/2006/main" xmlns:r="http://schemas.openxmlformats.org/officeDocument/2006/relationships" xmlns:p="http://schemas.openxmlformats.org/presentationml/2006/main">
+  <p:cSld>
+    <p:spTree>
+      <p:nvGrpSpPr>
+        <p:cNvPr id="1" name=""/>
+        <p:cNvGrpSpPr/>
+        <p:nvPr/>
+      </p:nvGrpSpPr>
+      <p:grpSpPr>
+        <a:xfrm>
+          <a:off x="0" y="0"/>
+          <a:ext cx="0" cy="0"/>
+          <a:chOff x="0" y="0"/>
+          <a:chExt cx="0" cy="0"/>
+        </a:xfrm>
+      </p:grpSpPr>
+      <p:sp>
+        <p:nvSpPr>
           <p:cNvPr id="3" name="Content Placeholder 2">
             <a:extLst>
               <a:ext uri="{FF2B5EF4-FFF2-40B4-BE49-F238E27FC236}">
@@ -12650,7 +12752,7 @@
 </p:sld>
 </file>
 
-<file path=ppt/slides/slide11.xml><?xml version="1.0" encoding="utf-8"?>
+<file path=ppt/slides/slide12.xml><?xml version="1.0" encoding="utf-8"?>
 <p:sld xmlns:a="http://schemas.openxmlformats.org/drawingml/2006/main" xmlns:r="http://schemas.openxmlformats.org/officeDocument/2006/relationships" xmlns:p="http://schemas.openxmlformats.org/presentationml/2006/main">
   <p:cSld>
     <p:spTree>
@@ -12751,7 +12853,7 @@
 </p:sld>
 </file>
 
-<file path=ppt/slides/slide12.xml><?xml version="1.0" encoding="utf-8"?>
+<file path=ppt/slides/slide13.xml><?xml version="1.0" encoding="utf-8"?>
 <p:sld xmlns:a="http://schemas.openxmlformats.org/drawingml/2006/main" xmlns:r="http://schemas.openxmlformats.org/officeDocument/2006/relationships" xmlns:p="http://schemas.openxmlformats.org/presentationml/2006/main">
   <p:cSld>
     <p:spTree>
@@ -12851,7 +12953,173 @@
 </p:sld>
 </file>
 
-<file path=ppt/slides/slide13.xml><?xml version="1.0" encoding="utf-8"?>
+<file path=ppt/slides/slide14.xml><?xml version="1.0" encoding="utf-8"?>
+<p:sld xmlns:a="http://schemas.openxmlformats.org/drawingml/2006/main" xmlns:r="http://schemas.openxmlformats.org/officeDocument/2006/relationships" xmlns:p="http://schemas.openxmlformats.org/presentationml/2006/main">
+  <p:cSld>
+    <p:spTree>
+      <p:nvGrpSpPr>
+        <p:cNvPr id="1" name=""/>
+        <p:cNvGrpSpPr/>
+        <p:nvPr/>
+      </p:nvGrpSpPr>
+      <p:grpSpPr>
+        <a:xfrm>
+          <a:off x="0" y="0"/>
+          <a:ext cx="0" cy="0"/>
+          <a:chOff x="0" y="0"/>
+          <a:chExt cx="0" cy="0"/>
+        </a:xfrm>
+      </p:grpSpPr>
+      <p:sp>
+        <p:nvSpPr>
+          <p:cNvPr id="2" name="Title 1">
+            <a:extLst>
+              <a:ext uri="{FF2B5EF4-FFF2-40B4-BE49-F238E27FC236}">
+                <a16:creationId xmlns:a16="http://schemas.microsoft.com/office/drawing/2014/main" id="{84432236-D921-AB40-8235-4658F0257DC9}"/>
+              </a:ext>
+            </a:extLst>
+          </p:cNvPr>
+          <p:cNvSpPr>
+            <a:spLocks noGrp="1"/>
+          </p:cNvSpPr>
+          <p:nvPr>
+            <p:ph type="title"/>
+          </p:nvPr>
+        </p:nvSpPr>
+        <p:spPr>
+          <a:xfrm>
+            <a:off x="1141413" y="-117206"/>
+            <a:ext cx="9905998" cy="1478570"/>
+          </a:xfrm>
+        </p:spPr>
+        <p:txBody>
+          <a:bodyPr>
+            <a:normAutofit/>
+          </a:bodyPr>
+          <a:lstStyle/>
+          <a:p>
+            <a:pPr algn="ctr"/>
+            <a:r>
+              <a:rPr lang="en-US" sz="2400" b="1" dirty="0">
+                <a:solidFill>
+                  <a:schemeClr val="bg1"/>
+                </a:solidFill>
+                <a:latin typeface="Times New Roman" panose="02020603050405020304" pitchFamily="18" charset="0"/>
+                <a:cs typeface="Times New Roman" panose="02020603050405020304" pitchFamily="18" charset="0"/>
+              </a:rPr>
+              <a:t>Feature importance In azure ML </a:t>
+            </a:r>
+          </a:p>
+        </p:txBody>
+      </p:sp>
+      <p:pic>
+        <p:nvPicPr>
+          <p:cNvPr id="5" name="Content Placeholder 4">
+            <a:extLst>
+              <a:ext uri="{FF2B5EF4-FFF2-40B4-BE49-F238E27FC236}">
+                <a16:creationId xmlns:a16="http://schemas.microsoft.com/office/drawing/2014/main" id="{65C20176-C938-0B4A-8764-FB5234758365}"/>
+              </a:ext>
+            </a:extLst>
+          </p:cNvPr>
+          <p:cNvPicPr>
+            <a:picLocks noGrp="1" noChangeAspect="1"/>
+          </p:cNvPicPr>
+          <p:nvPr>
+            <p:ph idx="1"/>
+          </p:nvPr>
+        </p:nvPicPr>
+        <p:blipFill>
+          <a:blip r:embed="rId2"/>
+          <a:stretch>
+            <a:fillRect/>
+          </a:stretch>
+        </p:blipFill>
+        <p:spPr>
+          <a:xfrm>
+            <a:off x="1995642" y="1025033"/>
+            <a:ext cx="5569953" cy="4671574"/>
+          </a:xfrm>
+        </p:spPr>
+      </p:pic>
+      <p:sp>
+        <p:nvSpPr>
+          <p:cNvPr id="6" name="TextBox 5">
+            <a:extLst>
+              <a:ext uri="{FF2B5EF4-FFF2-40B4-BE49-F238E27FC236}">
+                <a16:creationId xmlns:a16="http://schemas.microsoft.com/office/drawing/2014/main" id="{FE9BB6A1-C621-A04D-AF20-2AC9F26F14F8}"/>
+              </a:ext>
+            </a:extLst>
+          </p:cNvPr>
+          <p:cNvSpPr txBox="1"/>
+          <p:nvPr/>
+        </p:nvSpPr>
+        <p:spPr>
+          <a:xfrm>
+            <a:off x="7876501" y="2669627"/>
+            <a:ext cx="3735318" cy="1200329"/>
+          </a:xfrm>
+          <a:prstGeom prst="rect">
+            <a:avLst/>
+          </a:prstGeom>
+          <a:noFill/>
+        </p:spPr>
+        <p:txBody>
+          <a:bodyPr wrap="none" rtlCol="0">
+            <a:spAutoFit/>
+          </a:bodyPr>
+          <a:lstStyle/>
+          <a:p>
+            <a:r>
+              <a:rPr lang="en-US" sz="2400" b="1" dirty="0">
+                <a:solidFill>
+                  <a:schemeClr val="bg1"/>
+                </a:solidFill>
+                <a:latin typeface="Times New Roman" panose="02020603050405020304" pitchFamily="18" charset="0"/>
+                <a:cs typeface="Times New Roman" panose="02020603050405020304" pitchFamily="18" charset="0"/>
+              </a:rPr>
+              <a:t>The mean_dew_point_f </a:t>
+            </a:r>
+          </a:p>
+          <a:p>
+            <a:r>
+              <a:rPr lang="en-US" sz="2400" dirty="0">
+                <a:solidFill>
+                  <a:schemeClr val="bg1"/>
+                </a:solidFill>
+                <a:latin typeface="Times New Roman" panose="02020603050405020304" pitchFamily="18" charset="0"/>
+                <a:cs typeface="Times New Roman" panose="02020603050405020304" pitchFamily="18" charset="0"/>
+              </a:rPr>
+              <a:t>Is the most important feature</a:t>
+            </a:r>
+          </a:p>
+          <a:p>
+            <a:r>
+              <a:rPr lang="en-US" sz="2400" dirty="0">
+                <a:solidFill>
+                  <a:schemeClr val="bg1"/>
+                </a:solidFill>
+                <a:latin typeface="Times New Roman" panose="02020603050405020304" pitchFamily="18" charset="0"/>
+                <a:cs typeface="Times New Roman" panose="02020603050405020304" pitchFamily="18" charset="0"/>
+              </a:rPr>
+              <a:t>In our table.  </a:t>
+            </a:r>
+          </a:p>
+        </p:txBody>
+      </p:sp>
+    </p:spTree>
+    <p:extLst>
+      <p:ext uri="{BB962C8B-B14F-4D97-AF65-F5344CB8AC3E}">
+        <p14:creationId xmlns:p14="http://schemas.microsoft.com/office/powerpoint/2010/main" val="4052981852"/>
+      </p:ext>
+    </p:extLst>
+  </p:cSld>
+  <p:clrMapOvr>
+    <a:masterClrMapping/>
+  </p:clrMapOvr>
+</p:sld>
+</file>
+
+<file path=ppt/slides/slide15.xml><?xml version="1.0" encoding="utf-8"?>
 <p:sld xmlns:a="http://schemas.openxmlformats.org/drawingml/2006/main" xmlns:r="http://schemas.openxmlformats.org/officeDocument/2006/relationships" xmlns:p="http://schemas.openxmlformats.org/presentationml/2006/main">
   <p:cSld>
     <p:spTree>
@@ -13191,7 +13459,7 @@
 </p:sld>
 </file>
 
-<file path=ppt/slides/slide14.xml><?xml version="1.0" encoding="utf-8"?>
+<file path=ppt/slides/slide16.xml><?xml version="1.0" encoding="utf-8"?>
 <p:sld xmlns:a="http://schemas.openxmlformats.org/drawingml/2006/main" xmlns:r="http://schemas.openxmlformats.org/officeDocument/2006/relationships" xmlns:p="http://schemas.openxmlformats.org/presentationml/2006/main">
   <p:cSld>
     <p:spTree>
@@ -13291,7 +13559,7 @@
 </p:sld>
 </file>
 
-<file path=ppt/slides/slide15.xml><?xml version="1.0" encoding="utf-8"?>
+<file path=ppt/slides/slide17.xml><?xml version="1.0" encoding="utf-8"?>
 <p:sld xmlns:a="http://schemas.openxmlformats.org/drawingml/2006/main" xmlns:r="http://schemas.openxmlformats.org/officeDocument/2006/relationships" xmlns:p="http://schemas.openxmlformats.org/presentationml/2006/main">
   <p:cSld>
     <p:spTree>
@@ -13665,7 +13933,7 @@
 </p:sld>
 </file>
 
-<file path=ppt/slides/slide16.xml><?xml version="1.0" encoding="utf-8"?>
+<file path=ppt/slides/slide18.xml><?xml version="1.0" encoding="utf-8"?>
 <p:sld xmlns:a="http://schemas.openxmlformats.org/drawingml/2006/main" xmlns:r="http://schemas.openxmlformats.org/officeDocument/2006/relationships" xmlns:p="http://schemas.openxmlformats.org/presentationml/2006/main">
   <p:cSld>
     <p:spTree>
@@ -13974,7 +14242,7 @@
 </p:sld>
 </file>
 
-<file path=ppt/slides/slide17.xml><?xml version="1.0" encoding="utf-8"?>
+<file path=ppt/slides/slide19.xml><?xml version="1.0" encoding="utf-8"?>
 <p:sld xmlns:a="http://schemas.openxmlformats.org/drawingml/2006/main" xmlns:r="http://schemas.openxmlformats.org/officeDocument/2006/relationships" xmlns:p="http://schemas.openxmlformats.org/presentationml/2006/main">
   <p:cSld>
     <p:spTree>
@@ -14084,78 +14352,6 @@
     <p:extLst>
       <p:ext uri="{BB962C8B-B14F-4D97-AF65-F5344CB8AC3E}">
         <p14:creationId xmlns:p14="http://schemas.microsoft.com/office/powerpoint/2010/main" val="3165590118"/>
-      </p:ext>
-    </p:extLst>
-  </p:cSld>
-  <p:clrMapOvr>
-    <a:masterClrMapping/>
-  </p:clrMapOvr>
-</p:sld>
-</file>
-
-<file path=ppt/slides/slide18.xml><?xml version="1.0" encoding="utf-8"?>
-<p:sld xmlns:a="http://schemas.openxmlformats.org/drawingml/2006/main" xmlns:r="http://schemas.openxmlformats.org/officeDocument/2006/relationships" xmlns:p="http://schemas.openxmlformats.org/presentationml/2006/main">
-  <p:cSld>
-    <p:spTree>
-      <p:nvGrpSpPr>
-        <p:cNvPr id="1" name=""/>
-        <p:cNvGrpSpPr/>
-        <p:nvPr/>
-      </p:nvGrpSpPr>
-      <p:grpSpPr>
-        <a:xfrm>
-          <a:off x="0" y="0"/>
-          <a:ext cx="0" cy="0"/>
-          <a:chOff x="0" y="0"/>
-          <a:chExt cx="0" cy="0"/>
-        </a:xfrm>
-      </p:grpSpPr>
-      <p:sp>
-        <p:nvSpPr>
-          <p:cNvPr id="2" name="Title 1">
-            <a:extLst>
-              <a:ext uri="{FF2B5EF4-FFF2-40B4-BE49-F238E27FC236}">
-                <a16:creationId xmlns:a16="http://schemas.microsoft.com/office/drawing/2014/main" id="{292EB257-DC79-6241-B437-50DB9EA07FAC}"/>
-              </a:ext>
-            </a:extLst>
-          </p:cNvPr>
-          <p:cNvSpPr>
-            <a:spLocks noGrp="1"/>
-          </p:cNvSpPr>
-          <p:nvPr>
-            <p:ph type="title"/>
-          </p:nvPr>
-        </p:nvSpPr>
-        <p:spPr>
-          <a:xfrm>
-            <a:off x="1088862" y="2573442"/>
-            <a:ext cx="9905998" cy="1478570"/>
-          </a:xfrm>
-        </p:spPr>
-        <p:txBody>
-          <a:bodyPr>
-            <a:normAutofit/>
-          </a:bodyPr>
-          <a:lstStyle/>
-          <a:p>
-            <a:pPr algn="ctr"/>
-            <a:r>
-              <a:rPr lang="en-US" sz="2800" b="1" dirty="0">
-                <a:solidFill>
-                  <a:schemeClr val="bg1"/>
-                </a:solidFill>
-                <a:latin typeface="Times New Roman" panose="02020603050405020304" pitchFamily="18" charset="0"/>
-                <a:cs typeface="Times New Roman" panose="02020603050405020304" pitchFamily="18" charset="0"/>
-              </a:rPr>
-              <a:t>Thank you!!!</a:t>
-            </a:r>
-          </a:p>
-        </p:txBody>
-      </p:sp>
-    </p:spTree>
-    <p:extLst>
-      <p:ext uri="{BB962C8B-B14F-4D97-AF65-F5344CB8AC3E}">
-        <p14:creationId xmlns:p14="http://schemas.microsoft.com/office/powerpoint/2010/main" val="937610668"/>
       </p:ext>
     </p:extLst>
   </p:cSld>
@@ -14330,6 +14526,78 @@
     <p:extLst>
       <p:ext uri="{BB962C8B-B14F-4D97-AF65-F5344CB8AC3E}">
         <p14:creationId xmlns:p14="http://schemas.microsoft.com/office/powerpoint/2010/main" val="2618964644"/>
+      </p:ext>
+    </p:extLst>
+  </p:cSld>
+  <p:clrMapOvr>
+    <a:masterClrMapping/>
+  </p:clrMapOvr>
+</p:sld>
+</file>
+
+<file path=ppt/slides/slide20.xml><?xml version="1.0" encoding="utf-8"?>
+<p:sld xmlns:a="http://schemas.openxmlformats.org/drawingml/2006/main" xmlns:r="http://schemas.openxmlformats.org/officeDocument/2006/relationships" xmlns:p="http://schemas.openxmlformats.org/presentationml/2006/main">
+  <p:cSld>
+    <p:spTree>
+      <p:nvGrpSpPr>
+        <p:cNvPr id="1" name=""/>
+        <p:cNvGrpSpPr/>
+        <p:nvPr/>
+      </p:nvGrpSpPr>
+      <p:grpSpPr>
+        <a:xfrm>
+          <a:off x="0" y="0"/>
+          <a:ext cx="0" cy="0"/>
+          <a:chOff x="0" y="0"/>
+          <a:chExt cx="0" cy="0"/>
+        </a:xfrm>
+      </p:grpSpPr>
+      <p:sp>
+        <p:nvSpPr>
+          <p:cNvPr id="2" name="Title 1">
+            <a:extLst>
+              <a:ext uri="{FF2B5EF4-FFF2-40B4-BE49-F238E27FC236}">
+                <a16:creationId xmlns:a16="http://schemas.microsoft.com/office/drawing/2014/main" id="{292EB257-DC79-6241-B437-50DB9EA07FAC}"/>
+              </a:ext>
+            </a:extLst>
+          </p:cNvPr>
+          <p:cNvSpPr>
+            <a:spLocks noGrp="1"/>
+          </p:cNvSpPr>
+          <p:nvPr>
+            <p:ph type="title"/>
+          </p:nvPr>
+        </p:nvSpPr>
+        <p:spPr>
+          <a:xfrm>
+            <a:off x="1088862" y="2573442"/>
+            <a:ext cx="9905998" cy="1478570"/>
+          </a:xfrm>
+        </p:spPr>
+        <p:txBody>
+          <a:bodyPr>
+            <a:normAutofit/>
+          </a:bodyPr>
+          <a:lstStyle/>
+          <a:p>
+            <a:pPr algn="ctr"/>
+            <a:r>
+              <a:rPr lang="en-US" sz="2800" b="1" dirty="0">
+                <a:solidFill>
+                  <a:schemeClr val="bg1"/>
+                </a:solidFill>
+                <a:latin typeface="Times New Roman" panose="02020603050405020304" pitchFamily="18" charset="0"/>
+                <a:cs typeface="Times New Roman" panose="02020603050405020304" pitchFamily="18" charset="0"/>
+              </a:rPr>
+              <a:t>Thank you!!!</a:t>
+            </a:r>
+          </a:p>
+        </p:txBody>
+      </p:sp>
+    </p:spTree>
+    <p:extLst>
+      <p:ext uri="{BB962C8B-B14F-4D97-AF65-F5344CB8AC3E}">
+        <p14:creationId xmlns:p14="http://schemas.microsoft.com/office/powerpoint/2010/main" val="937610668"/>
       </p:ext>
     </p:extLst>
   </p:cSld>
@@ -15776,7 +16044,7 @@
           <p:cNvPr id="2" name="Title 1">
             <a:extLst>
               <a:ext uri="{FF2B5EF4-FFF2-40B4-BE49-F238E27FC236}">
-                <a16:creationId xmlns:a16="http://schemas.microsoft.com/office/drawing/2014/main" id="{14C12CAC-D079-184B-8736-5AA7EDCDFEFF}"/>
+                <a16:creationId xmlns:a16="http://schemas.microsoft.com/office/drawing/2014/main" id="{4ACBC073-575C-C844-A850-A9645DAFA829}"/>
               </a:ext>
             </a:extLst>
           </p:cNvPr>
@@ -15789,7 +16057,7 @@
         </p:nvSpPr>
         <p:spPr>
           <a:xfrm>
-            <a:off x="998483" y="6254"/>
+            <a:off x="1141413" y="-228975"/>
             <a:ext cx="9905998" cy="1478570"/>
           </a:xfrm>
         </p:spPr>
@@ -15799,6 +16067,7 @@
           </a:bodyPr>
           <a:lstStyle/>
           <a:p>
+            <a:pPr algn="ctr"/>
             <a:r>
               <a:rPr lang="en-US" sz="2400" b="1" dirty="0">
                 <a:solidFill>
@@ -15807,26 +16076,171 @@
                 <a:latin typeface="Times New Roman" panose="02020603050405020304" pitchFamily="18" charset="0"/>
                 <a:cs typeface="Times New Roman" panose="02020603050405020304" pitchFamily="18" charset="0"/>
               </a:rPr>
-              <a:t>Graph: Random forest regression graph</a:t>
-            </a:r>
+              <a:t>Comparison of Accuracy &amp; RMSE OF DATA Bricks</a:t>
+            </a:r>
+          </a:p>
+        </p:txBody>
+      </p:sp>
+      <p:sp>
+        <p:nvSpPr>
+          <p:cNvPr id="3" name="Content Placeholder 2">
+            <a:extLst>
+              <a:ext uri="{FF2B5EF4-FFF2-40B4-BE49-F238E27FC236}">
+                <a16:creationId xmlns:a16="http://schemas.microsoft.com/office/drawing/2014/main" id="{10582894-8C3C-1C42-B032-07683DD05696}"/>
+              </a:ext>
+            </a:extLst>
+          </p:cNvPr>
+          <p:cNvSpPr>
+            <a:spLocks noGrp="1"/>
+          </p:cNvSpPr>
+          <p:nvPr>
+            <p:ph idx="1"/>
+          </p:nvPr>
+        </p:nvSpPr>
+        <p:spPr>
+          <a:xfrm>
+            <a:off x="1106235" y="711612"/>
+            <a:ext cx="9976353" cy="6180836"/>
+          </a:xfrm>
+        </p:spPr>
+        <p:txBody>
+          <a:bodyPr/>
+          <a:lstStyle/>
+          <a:p>
+            <a:r>
+              <a:rPr lang="en-US" b="1" dirty="0">
+                <a:solidFill>
+                  <a:schemeClr val="bg1"/>
+                </a:solidFill>
+                <a:latin typeface="Times New Roman" panose="02020603050405020304" pitchFamily="18" charset="0"/>
+                <a:cs typeface="Times New Roman" panose="02020603050405020304" pitchFamily="18" charset="0"/>
+              </a:rPr>
+              <a:t>DECISION TREE REGRESSION</a:t>
+            </a:r>
+          </a:p>
+          <a:p>
+            <a:endParaRPr lang="en-US" dirty="0"/>
+          </a:p>
+          <a:p>
+            <a:endParaRPr lang="en-US" dirty="0"/>
+          </a:p>
+          <a:p>
+            <a:endParaRPr lang="en-US" b="1" dirty="0">
+              <a:solidFill>
+                <a:schemeClr val="bg1"/>
+              </a:solidFill>
+              <a:latin typeface="Times New Roman" panose="02020603050405020304" pitchFamily="18" charset="0"/>
+              <a:cs typeface="Times New Roman" panose="02020603050405020304" pitchFamily="18" charset="0"/>
+            </a:endParaRPr>
+          </a:p>
+          <a:p>
+            <a:r>
+              <a:rPr lang="en-US" b="1" dirty="0">
+                <a:solidFill>
+                  <a:schemeClr val="bg1"/>
+                </a:solidFill>
+                <a:latin typeface="Times New Roman" panose="02020603050405020304" pitchFamily="18" charset="0"/>
+                <a:cs typeface="Times New Roman" panose="02020603050405020304" pitchFamily="18" charset="0"/>
+              </a:rPr>
+              <a:t>RANDOM FOREST REGRESSION</a:t>
+            </a:r>
+          </a:p>
+          <a:p>
+            <a:endParaRPr lang="en-US" b="1" dirty="0">
+              <a:solidFill>
+                <a:schemeClr val="bg1"/>
+              </a:solidFill>
+              <a:latin typeface="Times New Roman" panose="02020603050405020304" pitchFamily="18" charset="0"/>
+              <a:cs typeface="Times New Roman" panose="02020603050405020304" pitchFamily="18" charset="0"/>
+            </a:endParaRPr>
+          </a:p>
+          <a:p>
+            <a:endParaRPr lang="en-US" b="1" dirty="0">
+              <a:solidFill>
+                <a:schemeClr val="bg1"/>
+              </a:solidFill>
+              <a:latin typeface="Times New Roman" panose="02020603050405020304" pitchFamily="18" charset="0"/>
+              <a:cs typeface="Times New Roman" panose="02020603050405020304" pitchFamily="18" charset="0"/>
+            </a:endParaRPr>
+          </a:p>
+          <a:p>
+            <a:endParaRPr lang="en-US" b="1" dirty="0">
+              <a:solidFill>
+                <a:schemeClr val="bg1"/>
+              </a:solidFill>
+              <a:latin typeface="Times New Roman" panose="02020603050405020304" pitchFamily="18" charset="0"/>
+              <a:cs typeface="Times New Roman" panose="02020603050405020304" pitchFamily="18" charset="0"/>
+            </a:endParaRPr>
+          </a:p>
+          <a:p>
+            <a:r>
+              <a:rPr lang="en-US" b="1" dirty="0">
+                <a:solidFill>
+                  <a:schemeClr val="bg1"/>
+                </a:solidFill>
+                <a:latin typeface="Times New Roman" panose="02020603050405020304" pitchFamily="18" charset="0"/>
+                <a:cs typeface="Times New Roman" panose="02020603050405020304" pitchFamily="18" charset="0"/>
+              </a:rPr>
+              <a:t>GRADIENT BOOSTING REGRESSION</a:t>
+            </a:r>
+          </a:p>
+          <a:p>
+            <a:pPr marL="0" indent="0">
+              <a:buNone/>
+            </a:pPr>
+            <a:endParaRPr lang="en-US" b="1" dirty="0">
+              <a:solidFill>
+                <a:schemeClr val="bg1"/>
+              </a:solidFill>
+              <a:latin typeface="Times New Roman" panose="02020603050405020304" pitchFamily="18" charset="0"/>
+              <a:cs typeface="Times New Roman" panose="02020603050405020304" pitchFamily="18" charset="0"/>
+            </a:endParaRPr>
+          </a:p>
+          <a:p>
+            <a:endParaRPr lang="en-US" b="1" dirty="0">
+              <a:solidFill>
+                <a:schemeClr val="bg1"/>
+              </a:solidFill>
+              <a:latin typeface="Times New Roman" panose="02020603050405020304" pitchFamily="18" charset="0"/>
+              <a:cs typeface="Times New Roman" panose="02020603050405020304" pitchFamily="18" charset="0"/>
+            </a:endParaRPr>
+          </a:p>
+          <a:p>
+            <a:pPr marL="0" indent="0">
+              <a:buNone/>
+            </a:pPr>
+            <a:endParaRPr lang="en-US" b="1" dirty="0">
+              <a:solidFill>
+                <a:schemeClr val="bg1"/>
+              </a:solidFill>
+              <a:latin typeface="Times New Roman" panose="02020603050405020304" pitchFamily="18" charset="0"/>
+              <a:cs typeface="Times New Roman" panose="02020603050405020304" pitchFamily="18" charset="0"/>
+            </a:endParaRPr>
+          </a:p>
+          <a:p>
+            <a:pPr marL="0" indent="0">
+              <a:buNone/>
+            </a:pPr>
+            <a:endParaRPr lang="en-US" dirty="0"/>
+          </a:p>
+          <a:p>
+            <a:endParaRPr lang="en-US" dirty="0"/>
           </a:p>
         </p:txBody>
       </p:sp>
       <p:pic>
         <p:nvPicPr>
-          <p:cNvPr id="5" name="Content Placeholder 4">
+          <p:cNvPr id="5" name="Picture 4">
             <a:extLst>
               <a:ext uri="{FF2B5EF4-FFF2-40B4-BE49-F238E27FC236}">
-                <a16:creationId xmlns:a16="http://schemas.microsoft.com/office/drawing/2014/main" id="{14CB9675-0EA0-134E-BC66-C1C01497444B}"/>
+                <a16:creationId xmlns:a16="http://schemas.microsoft.com/office/drawing/2014/main" id="{9D4A33E8-6AFF-BB4D-A4FA-59159B733162}"/>
               </a:ext>
             </a:extLst>
           </p:cNvPr>
           <p:cNvPicPr>
-            <a:picLocks noGrp="1" noChangeAspect="1"/>
+            <a:picLocks noChangeAspect="1"/>
           </p:cNvPicPr>
-          <p:nvPr>
-            <p:ph idx="1"/>
-          </p:nvPr>
+          <p:nvPr/>
         </p:nvPicPr>
         <p:blipFill>
           <a:blip r:embed="rId2"/>
@@ -15836,15 +16250,78 @@
         </p:blipFill>
         <p:spPr>
           <a:xfrm>
-            <a:off x="1250730" y="1095120"/>
-            <a:ext cx="10121461" cy="5036010"/>
+            <a:off x="1141414" y="1597950"/>
+            <a:ext cx="10111492" cy="980658"/>
           </a:xfrm>
+          <a:prstGeom prst="rect">
+            <a:avLst/>
+          </a:prstGeom>
+        </p:spPr>
+      </p:pic>
+      <p:pic>
+        <p:nvPicPr>
+          <p:cNvPr id="7" name="Picture 6">
+            <a:extLst>
+              <a:ext uri="{FF2B5EF4-FFF2-40B4-BE49-F238E27FC236}">
+                <a16:creationId xmlns:a16="http://schemas.microsoft.com/office/drawing/2014/main" id="{193C32F1-190D-7D4B-9EE8-91682CF42DD6}"/>
+              </a:ext>
+            </a:extLst>
+          </p:cNvPr>
+          <p:cNvPicPr>
+            <a:picLocks noChangeAspect="1"/>
+          </p:cNvPicPr>
+          <p:nvPr/>
+        </p:nvPicPr>
+        <p:blipFill>
+          <a:blip r:embed="rId3"/>
+          <a:stretch>
+            <a:fillRect/>
+          </a:stretch>
+        </p:blipFill>
+        <p:spPr>
+          <a:xfrm>
+            <a:off x="1141413" y="3802030"/>
+            <a:ext cx="10110167" cy="1016326"/>
+          </a:xfrm>
+          <a:prstGeom prst="rect">
+            <a:avLst/>
+          </a:prstGeom>
+        </p:spPr>
+      </p:pic>
+      <p:pic>
+        <p:nvPicPr>
+          <p:cNvPr id="9" name="Picture 8">
+            <a:extLst>
+              <a:ext uri="{FF2B5EF4-FFF2-40B4-BE49-F238E27FC236}">
+                <a16:creationId xmlns:a16="http://schemas.microsoft.com/office/drawing/2014/main" id="{5046DF2C-D935-EA43-88B5-FA09150DB823}"/>
+              </a:ext>
+            </a:extLst>
+          </p:cNvPr>
+          <p:cNvPicPr>
+            <a:picLocks noChangeAspect="1"/>
+          </p:cNvPicPr>
+          <p:nvPr/>
+        </p:nvPicPr>
+        <p:blipFill>
+          <a:blip r:embed="rId4"/>
+          <a:stretch>
+            <a:fillRect/>
+          </a:stretch>
+        </p:blipFill>
+        <p:spPr>
+          <a:xfrm>
+            <a:off x="1141413" y="5758943"/>
+            <a:ext cx="10110167" cy="868843"/>
+          </a:xfrm>
+          <a:prstGeom prst="rect">
+            <a:avLst/>
+          </a:prstGeom>
         </p:spPr>
       </p:pic>
     </p:spTree>
     <p:extLst>
       <p:ext uri="{BB962C8B-B14F-4D97-AF65-F5344CB8AC3E}">
-        <p14:creationId xmlns:p14="http://schemas.microsoft.com/office/powerpoint/2010/main" val="3815196411"/>
+        <p14:creationId xmlns:p14="http://schemas.microsoft.com/office/powerpoint/2010/main" val="1696374506"/>
       </p:ext>
     </p:extLst>
   </p:cSld>
